--- a/结果 - 副本.pptx
+++ b/结果 - 副本.pptx
@@ -5,11 +5,12 @@
     <p:sldMasterId id="2147483648" r:id="rId1"/>
   </p:sldMasterIdLst>
   <p:notesMasterIdLst>
-    <p:notesMasterId r:id="rId4"/>
+    <p:notesMasterId r:id="rId5"/>
   </p:notesMasterIdLst>
   <p:sldIdLst>
     <p:sldId id="260" r:id="rId2"/>
-    <p:sldId id="271" r:id="rId3"/>
+    <p:sldId id="272" r:id="rId3"/>
+    <p:sldId id="271" r:id="rId4"/>
   </p:sldIdLst>
   <p:sldSz cx="12192000" cy="6858000"/>
   <p:notesSz cx="6858000" cy="9144000"/>
@@ -198,7 +199,7 @@
           <a:p>
             <a:fld id="{2B487EFF-0DAF-40BF-870C-204AB8E33F7E}" type="datetimeFigureOut">
               <a:rPr lang="zh-CN" altLang="en-US" smtClean="0"/>
-              <a:t>2021/10/3</a:t>
+              <a:t>2021/10/4</a:t>
             </a:fld>
             <a:endParaRPr lang="zh-CN" altLang="en-US"/>
           </a:p>
@@ -632,6 +633,94 @@
     </p:spTree>
     <p:extLst>
       <p:ext uri="{BB962C8B-B14F-4D97-AF65-F5344CB8AC3E}">
+        <p14:creationId xmlns:p14="http://schemas.microsoft.com/office/powerpoint/2010/main" val="3161553102"/>
+      </p:ext>
+    </p:extLst>
+  </p:cSld>
+  <p:clrMapOvr>
+    <a:masterClrMapping/>
+  </p:clrMapOvr>
+</p:notes>
+</file>
+
+<file path=ppt/notesSlides/notesSlide3.xml><?xml version="1.0" encoding="utf-8"?>
+<p:notes xmlns:a="http://schemas.openxmlformats.org/drawingml/2006/main" xmlns:r="http://schemas.openxmlformats.org/officeDocument/2006/relationships" xmlns:p="http://schemas.openxmlformats.org/presentationml/2006/main">
+  <p:cSld>
+    <p:spTree>
+      <p:nvGrpSpPr>
+        <p:cNvPr id="1" name=""/>
+        <p:cNvGrpSpPr/>
+        <p:nvPr/>
+      </p:nvGrpSpPr>
+      <p:grpSpPr>
+        <a:xfrm>
+          <a:off x="0" y="0"/>
+          <a:ext cx="0" cy="0"/>
+          <a:chOff x="0" y="0"/>
+          <a:chExt cx="0" cy="0"/>
+        </a:xfrm>
+      </p:grpSpPr>
+      <p:sp>
+        <p:nvSpPr>
+          <p:cNvPr id="2" name="幻灯片图像占位符 1"/>
+          <p:cNvSpPr>
+            <a:spLocks noGrp="1" noRot="1" noChangeAspect="1"/>
+          </p:cNvSpPr>
+          <p:nvPr>
+            <p:ph type="sldImg"/>
+          </p:nvPr>
+        </p:nvSpPr>
+        <p:spPr/>
+      </p:sp>
+      <p:sp>
+        <p:nvSpPr>
+          <p:cNvPr id="3" name="备注占位符 2"/>
+          <p:cNvSpPr>
+            <a:spLocks noGrp="1"/>
+          </p:cNvSpPr>
+          <p:nvPr>
+            <p:ph type="body" idx="1"/>
+          </p:nvPr>
+        </p:nvSpPr>
+        <p:spPr/>
+        <p:txBody>
+          <a:bodyPr/>
+          <a:lstStyle/>
+          <a:p>
+            <a:r>
+              <a:rPr lang="en-US" altLang="zh-CN" dirty="0" smtClean="0"/>
+              <a:t>Torch checkpoint</a:t>
+            </a:r>
+            <a:endParaRPr lang="zh-CN" altLang="en-US" dirty="0"/>
+          </a:p>
+        </p:txBody>
+      </p:sp>
+      <p:sp>
+        <p:nvSpPr>
+          <p:cNvPr id="4" name="灯片编号占位符 3"/>
+          <p:cNvSpPr>
+            <a:spLocks noGrp="1"/>
+          </p:cNvSpPr>
+          <p:nvPr>
+            <p:ph type="sldNum" sz="quarter" idx="10"/>
+          </p:nvPr>
+        </p:nvSpPr>
+        <p:spPr/>
+        <p:txBody>
+          <a:bodyPr/>
+          <a:lstStyle/>
+          <a:p>
+            <a:fld id="{280E43A2-EE91-497E-BFF5-8A4A4B479111}" type="slidenum">
+              <a:rPr lang="zh-CN" altLang="en-US" smtClean="0"/>
+              <a:t>3</a:t>
+            </a:fld>
+            <a:endParaRPr lang="zh-CN" altLang="en-US"/>
+          </a:p>
+        </p:txBody>
+      </p:sp>
+    </p:spTree>
+    <p:extLst>
+      <p:ext uri="{BB962C8B-B14F-4D97-AF65-F5344CB8AC3E}">
         <p14:creationId xmlns:p14="http://schemas.microsoft.com/office/powerpoint/2010/main" val="971300924"/>
       </p:ext>
     </p:extLst>
@@ -771,7 +860,7 @@
           <a:p>
             <a:fld id="{CDA8C985-223D-40D3-9781-84CDE794FF0E}" type="datetimeFigureOut">
               <a:rPr lang="zh-CN" altLang="en-US" smtClean="0"/>
-              <a:t>2021/10/3</a:t>
+              <a:t>2021/10/4</a:t>
             </a:fld>
             <a:endParaRPr lang="zh-CN" altLang="en-US"/>
           </a:p>
@@ -939,7 +1028,7 @@
           <a:p>
             <a:fld id="{CDA8C985-223D-40D3-9781-84CDE794FF0E}" type="datetimeFigureOut">
               <a:rPr lang="zh-CN" altLang="en-US" smtClean="0"/>
-              <a:t>2021/10/3</a:t>
+              <a:t>2021/10/4</a:t>
             </a:fld>
             <a:endParaRPr lang="zh-CN" altLang="en-US"/>
           </a:p>
@@ -1117,7 +1206,7 @@
           <a:p>
             <a:fld id="{CDA8C985-223D-40D3-9781-84CDE794FF0E}" type="datetimeFigureOut">
               <a:rPr lang="zh-CN" altLang="en-US" smtClean="0"/>
-              <a:t>2021/10/3</a:t>
+              <a:t>2021/10/4</a:t>
             </a:fld>
             <a:endParaRPr lang="zh-CN" altLang="en-US"/>
           </a:p>
@@ -1285,7 +1374,7 @@
           <a:p>
             <a:fld id="{CDA8C985-223D-40D3-9781-84CDE794FF0E}" type="datetimeFigureOut">
               <a:rPr lang="zh-CN" altLang="en-US" smtClean="0"/>
-              <a:t>2021/10/3</a:t>
+              <a:t>2021/10/4</a:t>
             </a:fld>
             <a:endParaRPr lang="zh-CN" altLang="en-US"/>
           </a:p>
@@ -1530,7 +1619,7 @@
           <a:p>
             <a:fld id="{CDA8C985-223D-40D3-9781-84CDE794FF0E}" type="datetimeFigureOut">
               <a:rPr lang="zh-CN" altLang="en-US" smtClean="0"/>
-              <a:t>2021/10/3</a:t>
+              <a:t>2021/10/4</a:t>
             </a:fld>
             <a:endParaRPr lang="zh-CN" altLang="en-US"/>
           </a:p>
@@ -1759,7 +1848,7 @@
           <a:p>
             <a:fld id="{CDA8C985-223D-40D3-9781-84CDE794FF0E}" type="datetimeFigureOut">
               <a:rPr lang="zh-CN" altLang="en-US" smtClean="0"/>
-              <a:t>2021/10/3</a:t>
+              <a:t>2021/10/4</a:t>
             </a:fld>
             <a:endParaRPr lang="zh-CN" altLang="en-US"/>
           </a:p>
@@ -2123,7 +2212,7 @@
           <a:p>
             <a:fld id="{CDA8C985-223D-40D3-9781-84CDE794FF0E}" type="datetimeFigureOut">
               <a:rPr lang="zh-CN" altLang="en-US" smtClean="0"/>
-              <a:t>2021/10/3</a:t>
+              <a:t>2021/10/4</a:t>
             </a:fld>
             <a:endParaRPr lang="zh-CN" altLang="en-US"/>
           </a:p>
@@ -2240,7 +2329,7 @@
           <a:p>
             <a:fld id="{CDA8C985-223D-40D3-9781-84CDE794FF0E}" type="datetimeFigureOut">
               <a:rPr lang="zh-CN" altLang="en-US" smtClean="0"/>
-              <a:t>2021/10/3</a:t>
+              <a:t>2021/10/4</a:t>
             </a:fld>
             <a:endParaRPr lang="zh-CN" altLang="en-US"/>
           </a:p>
@@ -2335,7 +2424,7 @@
           <a:p>
             <a:fld id="{CDA8C985-223D-40D3-9781-84CDE794FF0E}" type="datetimeFigureOut">
               <a:rPr lang="zh-CN" altLang="en-US" smtClean="0"/>
-              <a:t>2021/10/3</a:t>
+              <a:t>2021/10/4</a:t>
             </a:fld>
             <a:endParaRPr lang="zh-CN" altLang="en-US"/>
           </a:p>
@@ -2610,7 +2699,7 @@
           <a:p>
             <a:fld id="{CDA8C985-223D-40D3-9781-84CDE794FF0E}" type="datetimeFigureOut">
               <a:rPr lang="zh-CN" altLang="en-US" smtClean="0"/>
-              <a:t>2021/10/3</a:t>
+              <a:t>2021/10/4</a:t>
             </a:fld>
             <a:endParaRPr lang="zh-CN" altLang="en-US"/>
           </a:p>
@@ -2862,7 +2951,7 @@
           <a:p>
             <a:fld id="{CDA8C985-223D-40D3-9781-84CDE794FF0E}" type="datetimeFigureOut">
               <a:rPr lang="zh-CN" altLang="en-US" smtClean="0"/>
-              <a:t>2021/10/3</a:t>
+              <a:t>2021/10/4</a:t>
             </a:fld>
             <a:endParaRPr lang="zh-CN" altLang="en-US"/>
           </a:p>
@@ -3073,7 +3162,7 @@
           <a:p>
             <a:fld id="{CDA8C985-223D-40D3-9781-84CDE794FF0E}" type="datetimeFigureOut">
               <a:rPr lang="zh-CN" altLang="en-US" smtClean="0"/>
-              <a:t>2021/10/3</a:t>
+              <a:t>2021/10/4</a:t>
             </a:fld>
             <a:endParaRPr lang="zh-CN" altLang="en-US"/>
           </a:p>
@@ -3507,63 +3596,63 @@
                 <a:gridCol w="1735348">
                   <a:extLst>
                     <a:ext uri="{9D8B030D-6E8A-4147-A177-3AD203B41FA5}">
-                      <a16:colId xmlns="" xmlns:a16="http://schemas.microsoft.com/office/drawing/2014/main" val="20000"/>
+                      <a16:colId xmlns:a16="http://schemas.microsoft.com/office/drawing/2014/main" xmlns="" val="20000"/>
                     </a:ext>
                   </a:extLst>
                 </a:gridCol>
                 <a:gridCol w="851862">
                   <a:extLst>
                     <a:ext uri="{9D8B030D-6E8A-4147-A177-3AD203B41FA5}">
-                      <a16:colId xmlns="" xmlns:a16="http://schemas.microsoft.com/office/drawing/2014/main" val="20001"/>
+                      <a16:colId xmlns:a16="http://schemas.microsoft.com/office/drawing/2014/main" xmlns="" val="20001"/>
                     </a:ext>
                   </a:extLst>
                 </a:gridCol>
                 <a:gridCol w="911188">
                   <a:extLst>
                     <a:ext uri="{9D8B030D-6E8A-4147-A177-3AD203B41FA5}">
-                      <a16:colId xmlns="" xmlns:a16="http://schemas.microsoft.com/office/drawing/2014/main" val="20002"/>
+                      <a16:colId xmlns:a16="http://schemas.microsoft.com/office/drawing/2014/main" xmlns="" val="20002"/>
                     </a:ext>
                   </a:extLst>
                 </a:gridCol>
                 <a:gridCol w="825980">
                   <a:extLst>
                     <a:ext uri="{9D8B030D-6E8A-4147-A177-3AD203B41FA5}">
-                      <a16:colId xmlns="" xmlns:a16="http://schemas.microsoft.com/office/drawing/2014/main" val="20003"/>
+                      <a16:colId xmlns:a16="http://schemas.microsoft.com/office/drawing/2014/main" xmlns="" val="20003"/>
                     </a:ext>
                   </a:extLst>
                 </a:gridCol>
                 <a:gridCol w="825980">
                   <a:extLst>
                     <a:ext uri="{9D8B030D-6E8A-4147-A177-3AD203B41FA5}">
-                      <a16:colId xmlns="" xmlns:a16="http://schemas.microsoft.com/office/drawing/2014/main" val="20004"/>
+                      <a16:colId xmlns:a16="http://schemas.microsoft.com/office/drawing/2014/main" xmlns="" val="20004"/>
                     </a:ext>
                   </a:extLst>
                 </a:gridCol>
                 <a:gridCol w="1119381">
                   <a:extLst>
                     <a:ext uri="{9D8B030D-6E8A-4147-A177-3AD203B41FA5}">
-                      <a16:colId xmlns="" xmlns:a16="http://schemas.microsoft.com/office/drawing/2014/main" val="20005"/>
+                      <a16:colId xmlns:a16="http://schemas.microsoft.com/office/drawing/2014/main" xmlns="" val="20005"/>
                     </a:ext>
                   </a:extLst>
                 </a:gridCol>
                 <a:gridCol w="1046135">
                   <a:extLst>
                     <a:ext uri="{9D8B030D-6E8A-4147-A177-3AD203B41FA5}">
-                      <a16:colId xmlns="" xmlns:a16="http://schemas.microsoft.com/office/drawing/2014/main" val="20006"/>
+                      <a16:colId xmlns:a16="http://schemas.microsoft.com/office/drawing/2014/main" xmlns="" val="20006"/>
                     </a:ext>
                   </a:extLst>
                 </a:gridCol>
                 <a:gridCol w="896686">
                   <a:extLst>
                     <a:ext uri="{9D8B030D-6E8A-4147-A177-3AD203B41FA5}">
-                      <a16:colId xmlns="" xmlns:a16="http://schemas.microsoft.com/office/drawing/2014/main" val="20007"/>
+                      <a16:colId xmlns:a16="http://schemas.microsoft.com/office/drawing/2014/main" xmlns="" val="20007"/>
                     </a:ext>
                   </a:extLst>
                 </a:gridCol>
                 <a:gridCol w="899235">
                   <a:extLst>
                     <a:ext uri="{9D8B030D-6E8A-4147-A177-3AD203B41FA5}">
-                      <a16:colId xmlns="" xmlns:a16="http://schemas.microsoft.com/office/drawing/2014/main" val="20008"/>
+                      <a16:colId xmlns:a16="http://schemas.microsoft.com/office/drawing/2014/main" xmlns="" val="20008"/>
                     </a:ext>
                   </a:extLst>
                 </a:gridCol>
@@ -3693,7 +3782,7 @@
                 </a:tc>
                 <a:extLst>
                   <a:ext uri="{0D108BD9-81ED-4DB2-BD59-A6C34878D82A}">
-                    <a16:rowId xmlns="" xmlns:a16="http://schemas.microsoft.com/office/drawing/2014/main" val="10000"/>
+                    <a16:rowId xmlns:a16="http://schemas.microsoft.com/office/drawing/2014/main" xmlns="" val="10000"/>
                   </a:ext>
                 </a:extLst>
               </a:tr>
@@ -3865,7 +3954,7 @@
                 </a:tc>
                 <a:extLst>
                   <a:ext uri="{0D108BD9-81ED-4DB2-BD59-A6C34878D82A}">
-                    <a16:rowId xmlns="" xmlns:a16="http://schemas.microsoft.com/office/drawing/2014/main" val="2951438941"/>
+                    <a16:rowId xmlns:a16="http://schemas.microsoft.com/office/drawing/2014/main" xmlns="" val="2951438941"/>
                   </a:ext>
                 </a:extLst>
               </a:tr>
@@ -4092,7 +4181,7 @@
                 </a:tc>
                 <a:extLst>
                   <a:ext uri="{0D108BD9-81ED-4DB2-BD59-A6C34878D82A}">
-                    <a16:rowId xmlns="" xmlns:a16="http://schemas.microsoft.com/office/drawing/2014/main" val="10001"/>
+                    <a16:rowId xmlns:a16="http://schemas.microsoft.com/office/drawing/2014/main" xmlns="" val="10001"/>
                   </a:ext>
                 </a:extLst>
               </a:tr>
@@ -4337,7 +4426,7 @@
                 </a:tc>
                 <a:extLst>
                   <a:ext uri="{0D108BD9-81ED-4DB2-BD59-A6C34878D82A}">
-                    <a16:rowId xmlns="" xmlns:a16="http://schemas.microsoft.com/office/drawing/2014/main" val="2959020849"/>
+                    <a16:rowId xmlns:a16="http://schemas.microsoft.com/office/drawing/2014/main" xmlns="" val="2959020849"/>
                   </a:ext>
                 </a:extLst>
               </a:tr>
@@ -4554,7 +4643,7 @@
                 </a:tc>
                 <a:extLst>
                   <a:ext uri="{0D108BD9-81ED-4DB2-BD59-A6C34878D82A}">
-                    <a16:rowId xmlns="" xmlns:a16="http://schemas.microsoft.com/office/drawing/2014/main" val="3748533340"/>
+                    <a16:rowId xmlns:a16="http://schemas.microsoft.com/office/drawing/2014/main" xmlns="" val="3748533340"/>
                   </a:ext>
                 </a:extLst>
               </a:tr>
@@ -4771,7 +4860,7 @@
                 </a:tc>
                 <a:extLst>
                   <a:ext uri="{0D108BD9-81ED-4DB2-BD59-A6C34878D82A}">
-                    <a16:rowId xmlns="" xmlns:a16="http://schemas.microsoft.com/office/drawing/2014/main" val="3992346467"/>
+                    <a16:rowId xmlns:a16="http://schemas.microsoft.com/office/drawing/2014/main" xmlns="" val="3992346467"/>
                   </a:ext>
                 </a:extLst>
               </a:tr>
@@ -4992,7 +5081,7 @@
                 </a:tc>
                 <a:extLst>
                   <a:ext uri="{0D108BD9-81ED-4DB2-BD59-A6C34878D82A}">
-                    <a16:rowId xmlns="" xmlns:a16="http://schemas.microsoft.com/office/drawing/2014/main" val="4037322625"/>
+                    <a16:rowId xmlns:a16="http://schemas.microsoft.com/office/drawing/2014/main" xmlns="" val="4037322625"/>
                   </a:ext>
                 </a:extLst>
               </a:tr>
@@ -5177,7 +5266,7 @@
                 </a:tc>
                 <a:extLst>
                   <a:ext uri="{0D108BD9-81ED-4DB2-BD59-A6C34878D82A}">
-                    <a16:rowId xmlns="" xmlns:a16="http://schemas.microsoft.com/office/drawing/2014/main" val="10002"/>
+                    <a16:rowId xmlns:a16="http://schemas.microsoft.com/office/drawing/2014/main" xmlns="" val="10002"/>
                   </a:ext>
                 </a:extLst>
               </a:tr>
@@ -5365,7 +5454,7 @@
                 </a:tc>
                 <a:extLst>
                   <a:ext uri="{0D108BD9-81ED-4DB2-BD59-A6C34878D82A}">
-                    <a16:rowId xmlns="" xmlns:a16="http://schemas.microsoft.com/office/drawing/2014/main" val="10003"/>
+                    <a16:rowId xmlns:a16="http://schemas.microsoft.com/office/drawing/2014/main" xmlns="" val="10003"/>
                   </a:ext>
                 </a:extLst>
               </a:tr>
@@ -5644,7 +5733,7 @@
                 </a:tc>
                 <a:extLst>
                   <a:ext uri="{0D108BD9-81ED-4DB2-BD59-A6C34878D82A}">
-                    <a16:rowId xmlns="" xmlns:a16="http://schemas.microsoft.com/office/drawing/2014/main" val="10004"/>
+                    <a16:rowId xmlns:a16="http://schemas.microsoft.com/office/drawing/2014/main" xmlns="" val="10004"/>
                   </a:ext>
                 </a:extLst>
               </a:tr>
@@ -6554,6 +6643,1500 @@
             <a:graphicFrameLocks noGrp="1"/>
           </p:cNvGraphicFramePr>
           <p:nvPr>
+            <p:extLst/>
+          </p:nvPr>
+        </p:nvGraphicFramePr>
+        <p:xfrm>
+          <a:off x="923887" y="1199453"/>
+          <a:ext cx="9571515" cy="3889110"/>
+        </p:xfrm>
+        <a:graphic>
+          <a:graphicData uri="http://schemas.openxmlformats.org/drawingml/2006/table">
+            <a:tbl>
+              <a:tblPr firstRow="1" bandRow="1">
+                <a:tableStyleId>{5C22544A-7EE6-4342-B048-85BDC9FD1C3A}</a:tableStyleId>
+              </a:tblPr>
+              <a:tblGrid>
+                <a:gridCol w="2195068">
+                  <a:extLst>
+                    <a:ext uri="{9D8B030D-6E8A-4147-A177-3AD203B41FA5}">
+                      <a16:colId xmlns:a16="http://schemas.microsoft.com/office/drawing/2014/main" xmlns="" val="20000"/>
+                    </a:ext>
+                  </a:extLst>
+                </a:gridCol>
+                <a:gridCol w="851862">
+                  <a:extLst>
+                    <a:ext uri="{9D8B030D-6E8A-4147-A177-3AD203B41FA5}">
+                      <a16:colId xmlns:a16="http://schemas.microsoft.com/office/drawing/2014/main" xmlns="" val="20001"/>
+                    </a:ext>
+                  </a:extLst>
+                </a:gridCol>
+                <a:gridCol w="911188">
+                  <a:extLst>
+                    <a:ext uri="{9D8B030D-6E8A-4147-A177-3AD203B41FA5}">
+                      <a16:colId xmlns:a16="http://schemas.microsoft.com/office/drawing/2014/main" xmlns="" val="20002"/>
+                    </a:ext>
+                  </a:extLst>
+                </a:gridCol>
+                <a:gridCol w="825980">
+                  <a:extLst>
+                    <a:ext uri="{9D8B030D-6E8A-4147-A177-3AD203B41FA5}">
+                      <a16:colId xmlns:a16="http://schemas.microsoft.com/office/drawing/2014/main" xmlns="" val="20003"/>
+                    </a:ext>
+                  </a:extLst>
+                </a:gridCol>
+                <a:gridCol w="854180">
+                  <a:extLst>
+                    <a:ext uri="{9D8B030D-6E8A-4147-A177-3AD203B41FA5}">
+                      <a16:colId xmlns:a16="http://schemas.microsoft.com/office/drawing/2014/main" xmlns="" val="20004"/>
+                    </a:ext>
+                  </a:extLst>
+                </a:gridCol>
+                <a:gridCol w="1091181">
+                  <a:extLst>
+                    <a:ext uri="{9D8B030D-6E8A-4147-A177-3AD203B41FA5}">
+                      <a16:colId xmlns:a16="http://schemas.microsoft.com/office/drawing/2014/main" xmlns="" val="20005"/>
+                    </a:ext>
+                  </a:extLst>
+                </a:gridCol>
+                <a:gridCol w="1046135">
+                  <a:extLst>
+                    <a:ext uri="{9D8B030D-6E8A-4147-A177-3AD203B41FA5}">
+                      <a16:colId xmlns:a16="http://schemas.microsoft.com/office/drawing/2014/main" xmlns="" val="20006"/>
+                    </a:ext>
+                  </a:extLst>
+                </a:gridCol>
+                <a:gridCol w="896686">
+                  <a:extLst>
+                    <a:ext uri="{9D8B030D-6E8A-4147-A177-3AD203B41FA5}">
+                      <a16:colId xmlns:a16="http://schemas.microsoft.com/office/drawing/2014/main" xmlns="" val="20007"/>
+                    </a:ext>
+                  </a:extLst>
+                </a:gridCol>
+                <a:gridCol w="899235">
+                  <a:extLst>
+                    <a:ext uri="{9D8B030D-6E8A-4147-A177-3AD203B41FA5}">
+                      <a16:colId xmlns:a16="http://schemas.microsoft.com/office/drawing/2014/main" xmlns="" val="20008"/>
+                    </a:ext>
+                  </a:extLst>
+                </a:gridCol>
+              </a:tblGrid>
+              <a:tr h="718354">
+                <a:tc rowSpan="2">
+                  <a:txBody>
+                    <a:bodyPr/>
+                    <a:lstStyle/>
+                    <a:p>
+                      <a:pPr algn="ctr"/>
+                      <a:r>
+                        <a:rPr lang="en-US" altLang="zh-CN" dirty="0" smtClean="0"/>
+                        <a:t>Ablation</a:t>
+                      </a:r>
+                      <a:endParaRPr lang="zh-CN" altLang="en-US" dirty="0"/>
+                    </a:p>
+                  </a:txBody>
+                  <a:tcPr anchor="ctr"/>
+                </a:tc>
+                <a:tc gridSpan="4">
+                  <a:txBody>
+                    <a:bodyPr/>
+                    <a:lstStyle/>
+                    <a:p>
+                      <a:pPr algn="ctr"/>
+                      <a:r>
+                        <a:rPr lang="en-US" altLang="zh-CN" dirty="0"/>
+                        <a:t>MS-Marco</a:t>
+                      </a:r>
+                      <a:endParaRPr lang="zh-CN" altLang="en-US" dirty="0"/>
+                    </a:p>
+                  </a:txBody>
+                  <a:tcPr anchor="ctr"/>
+                </a:tc>
+                <a:tc hMerge="1">
+                  <a:txBody>
+                    <a:bodyPr/>
+                    <a:lstStyle/>
+                    <a:p>
+                      <a:pPr algn="ctr"/>
+                      <a:endParaRPr lang="zh-CN" altLang="en-US" dirty="0"/>
+                    </a:p>
+                  </a:txBody>
+                  <a:tcPr anchor="ctr"/>
+                </a:tc>
+                <a:tc hMerge="1">
+                  <a:txBody>
+                    <a:bodyPr/>
+                    <a:lstStyle/>
+                    <a:p>
+                      <a:pPr algn="ctr"/>
+                      <a:endParaRPr lang="zh-CN" altLang="en-US" dirty="0"/>
+                    </a:p>
+                  </a:txBody>
+                  <a:tcPr anchor="ctr"/>
+                </a:tc>
+                <a:tc hMerge="1">
+                  <a:txBody>
+                    <a:bodyPr/>
+                    <a:lstStyle/>
+                    <a:p>
+                      <a:pPr algn="ctr"/>
+                      <a:endParaRPr lang="zh-CN" altLang="en-US" dirty="0"/>
+                    </a:p>
+                  </a:txBody>
+                  <a:tcPr anchor="ctr"/>
+                </a:tc>
+                <a:tc gridSpan="4">
+                  <a:txBody>
+                    <a:bodyPr/>
+                    <a:lstStyle/>
+                    <a:p>
+                      <a:pPr algn="ctr"/>
+                      <a:r>
+                        <a:rPr lang="en-US" altLang="zh-CN" dirty="0" err="1"/>
+                        <a:t>Trec</a:t>
+                      </a:r>
+                      <a:r>
+                        <a:rPr lang="en-US" altLang="zh-CN" dirty="0"/>
+                        <a:t> DL 2019</a:t>
+                      </a:r>
+                      <a:endParaRPr lang="zh-CN" altLang="en-US" dirty="0"/>
+                    </a:p>
+                  </a:txBody>
+                  <a:tcPr anchor="ctr"/>
+                </a:tc>
+                <a:tc hMerge="1">
+                  <a:txBody>
+                    <a:bodyPr/>
+                    <a:lstStyle/>
+                    <a:p>
+                      <a:pPr algn="ctr"/>
+                      <a:endParaRPr lang="zh-CN" altLang="en-US" dirty="0"/>
+                    </a:p>
+                  </a:txBody>
+                  <a:tcPr anchor="ctr"/>
+                </a:tc>
+                <a:tc hMerge="1">
+                  <a:txBody>
+                    <a:bodyPr/>
+                    <a:lstStyle/>
+                    <a:p>
+                      <a:pPr algn="ctr"/>
+                      <a:endParaRPr lang="zh-CN" altLang="en-US" dirty="0"/>
+                    </a:p>
+                  </a:txBody>
+                  <a:tcPr anchor="ctr"/>
+                </a:tc>
+                <a:tc hMerge="1">
+                  <a:txBody>
+                    <a:bodyPr/>
+                    <a:lstStyle/>
+                    <a:p>
+                      <a:pPr algn="ctr"/>
+                      <a:endParaRPr lang="zh-CN" altLang="en-US" dirty="0"/>
+                    </a:p>
+                  </a:txBody>
+                  <a:tcPr anchor="ctr"/>
+                </a:tc>
+                <a:extLst>
+                  <a:ext uri="{0D108BD9-81ED-4DB2-BD59-A6C34878D82A}">
+                    <a16:rowId xmlns:a16="http://schemas.microsoft.com/office/drawing/2014/main" xmlns="" val="10000"/>
+                  </a:ext>
+                </a:extLst>
+              </a:tr>
+              <a:tr h="387950">
+                <a:tc vMerge="1">
+                  <a:txBody>
+                    <a:bodyPr/>
+                    <a:lstStyle/>
+                    <a:p>
+                      <a:pPr algn="ctr"/>
+                      <a:endParaRPr lang="zh-CN" altLang="en-US" dirty="0"/>
+                    </a:p>
+                  </a:txBody>
+                  <a:tcPr anchor="ctr"/>
+                </a:tc>
+                <a:tc gridSpan="2">
+                  <a:txBody>
+                    <a:bodyPr/>
+                    <a:lstStyle/>
+                    <a:p>
+                      <a:pPr marL="0" algn="ctr" defTabSz="914400" rtl="0" eaLnBrk="1" latinLnBrk="0" hangingPunct="1"/>
+                      <a:r>
+                        <a:rPr lang="en-US" altLang="zh-CN" sz="1800" b="0" kern="1200" dirty="0" err="1">
+                          <a:solidFill>
+                            <a:schemeClr val="tx1"/>
+                          </a:solidFill>
+                          <a:latin typeface="+mn-lt"/>
+                          <a:ea typeface="+mn-ea"/>
+                          <a:cs typeface="+mn-cs"/>
+                        </a:rPr>
+                        <a:t>ance</a:t>
+                      </a:r>
+                      <a:endParaRPr lang="zh-CN" altLang="en-US" sz="1800" b="0" kern="1200" dirty="0">
+                        <a:solidFill>
+                          <a:schemeClr val="tx1"/>
+                        </a:solidFill>
+                        <a:latin typeface="+mn-lt"/>
+                        <a:ea typeface="+mn-ea"/>
+                        <a:cs typeface="+mn-cs"/>
+                      </a:endParaRPr>
+                    </a:p>
+                  </a:txBody>
+                  <a:tcPr anchor="ctr"/>
+                </a:tc>
+                <a:tc hMerge="1">
+                  <a:txBody>
+                    <a:bodyPr/>
+                    <a:lstStyle/>
+                    <a:p>
+                      <a:endParaRPr lang="zh-CN" altLang="en-US"/>
+                    </a:p>
+                  </a:txBody>
+                  <a:tcPr/>
+                </a:tc>
+                <a:tc gridSpan="2">
+                  <a:txBody>
+                    <a:bodyPr/>
+                    <a:lstStyle/>
+                    <a:p>
+                      <a:pPr algn="ctr"/>
+                      <a:r>
+                        <a:rPr lang="en-US" altLang="zh-CN" b="0" dirty="0">
+                          <a:solidFill>
+                            <a:schemeClr val="tx1"/>
+                          </a:solidFill>
+                        </a:rPr>
+                        <a:t>official</a:t>
+                      </a:r>
+                      <a:endParaRPr lang="zh-CN" altLang="en-US" b="0" dirty="0">
+                        <a:solidFill>
+                          <a:schemeClr val="tx1"/>
+                        </a:solidFill>
+                      </a:endParaRPr>
+                    </a:p>
+                  </a:txBody>
+                  <a:tcPr anchor="ctr"/>
+                </a:tc>
+                <a:tc hMerge="1">
+                  <a:txBody>
+                    <a:bodyPr/>
+                    <a:lstStyle/>
+                    <a:p>
+                      <a:endParaRPr lang="zh-CN" altLang="en-US"/>
+                    </a:p>
+                  </a:txBody>
+                  <a:tcPr/>
+                </a:tc>
+                <a:tc gridSpan="2">
+                  <a:txBody>
+                    <a:bodyPr/>
+                    <a:lstStyle/>
+                    <a:p>
+                      <a:pPr marL="0" algn="ctr" defTabSz="914400" rtl="0" eaLnBrk="1" latinLnBrk="0" hangingPunct="1"/>
+                      <a:r>
+                        <a:rPr lang="en-US" altLang="zh-CN" sz="1800" b="0" kern="1200" dirty="0" err="1">
+                          <a:solidFill>
+                            <a:schemeClr val="tx1"/>
+                          </a:solidFill>
+                          <a:latin typeface="+mn-lt"/>
+                          <a:ea typeface="+mn-ea"/>
+                          <a:cs typeface="+mn-cs"/>
+                        </a:rPr>
+                        <a:t>ance</a:t>
+                      </a:r>
+                      <a:endParaRPr lang="zh-CN" altLang="en-US" sz="1800" b="0" kern="1200" dirty="0">
+                        <a:solidFill>
+                          <a:schemeClr val="tx1"/>
+                        </a:solidFill>
+                        <a:latin typeface="+mn-lt"/>
+                        <a:ea typeface="+mn-ea"/>
+                        <a:cs typeface="+mn-cs"/>
+                      </a:endParaRPr>
+                    </a:p>
+                  </a:txBody>
+                  <a:tcPr anchor="ctr"/>
+                </a:tc>
+                <a:tc hMerge="1">
+                  <a:txBody>
+                    <a:bodyPr/>
+                    <a:lstStyle/>
+                    <a:p>
+                      <a:endParaRPr lang="zh-CN" altLang="en-US"/>
+                    </a:p>
+                  </a:txBody>
+                  <a:tcPr/>
+                </a:tc>
+                <a:tc gridSpan="2">
+                  <a:txBody>
+                    <a:bodyPr/>
+                    <a:lstStyle/>
+                    <a:p>
+                      <a:pPr algn="ctr"/>
+                      <a:r>
+                        <a:rPr lang="en-US" altLang="zh-CN" b="0" dirty="0" err="1">
+                          <a:solidFill>
+                            <a:schemeClr val="tx1"/>
+                          </a:solidFill>
+                        </a:rPr>
+                        <a:t>offcial</a:t>
+                      </a:r>
+                      <a:endParaRPr lang="zh-CN" altLang="en-US" b="0" dirty="0">
+                        <a:solidFill>
+                          <a:schemeClr val="tx1"/>
+                        </a:solidFill>
+                      </a:endParaRPr>
+                    </a:p>
+                  </a:txBody>
+                  <a:tcPr anchor="ctr"/>
+                </a:tc>
+                <a:tc hMerge="1">
+                  <a:txBody>
+                    <a:bodyPr/>
+                    <a:lstStyle/>
+                    <a:p>
+                      <a:endParaRPr lang="zh-CN" altLang="en-US"/>
+                    </a:p>
+                  </a:txBody>
+                  <a:tcPr/>
+                </a:tc>
+                <a:extLst>
+                  <a:ext uri="{0D108BD9-81ED-4DB2-BD59-A6C34878D82A}">
+                    <a16:rowId xmlns:a16="http://schemas.microsoft.com/office/drawing/2014/main" xmlns="" val="2951438941"/>
+                  </a:ext>
+                </a:extLst>
+              </a:tr>
+              <a:tr h="463801">
+                <a:tc>
+                  <a:txBody>
+                    <a:bodyPr/>
+                    <a:lstStyle/>
+                    <a:p>
+                      <a:pPr marL="0" marR="0" lvl="0" indent="0" algn="ctr" defTabSz="914400" rtl="0" eaLnBrk="1" fontAlgn="auto" latinLnBrk="0" hangingPunct="1">
+                        <a:lnSpc>
+                          <a:spcPct val="100000"/>
+                        </a:lnSpc>
+                        <a:spcBef>
+                          <a:spcPts val="0"/>
+                        </a:spcBef>
+                        <a:spcAft>
+                          <a:spcPts val="0"/>
+                        </a:spcAft>
+                        <a:buClrTx/>
+                        <a:buSzTx/>
+                        <a:buFontTx/>
+                        <a:buNone/>
+                        <a:tabLst/>
+                        <a:defRPr/>
+                      </a:pPr>
+                      <a:r>
+                        <a:rPr lang="en-US" altLang="zh-CN" dirty="0" err="1" smtClean="0"/>
+                        <a:t>HBert</a:t>
+                      </a:r>
+                      <a:endParaRPr lang="zh-CN" altLang="en-US" dirty="0" smtClean="0"/>
+                    </a:p>
+                  </a:txBody>
+                  <a:tcPr anchor="ctr"/>
+                </a:tc>
+                <a:tc>
+                  <a:txBody>
+                    <a:bodyPr/>
+                    <a:lstStyle/>
+                    <a:p>
+                      <a:pPr marL="0" algn="ctr" defTabSz="914400" rtl="0" eaLnBrk="1" latinLnBrk="0" hangingPunct="1"/>
+                      <a:r>
+                        <a:rPr lang="en-US" altLang="zh-CN" sz="1800" kern="1200" dirty="0" smtClean="0">
+                          <a:solidFill>
+                            <a:schemeClr val="tx1"/>
+                          </a:solidFill>
+                          <a:latin typeface="+mn-lt"/>
+                          <a:ea typeface="+mn-ea"/>
+                          <a:cs typeface="+mn-cs"/>
+                        </a:rPr>
+                        <a:t>.4422</a:t>
+                      </a:r>
+                      <a:endParaRPr lang="zh-CN" altLang="en-US" sz="1800" kern="1200" dirty="0">
+                        <a:solidFill>
+                          <a:schemeClr val="tx1"/>
+                        </a:solidFill>
+                        <a:latin typeface="+mn-lt"/>
+                        <a:ea typeface="+mn-ea"/>
+                        <a:cs typeface="+mn-cs"/>
+                      </a:endParaRPr>
+                    </a:p>
+                  </a:txBody>
+                  <a:tcPr anchor="ctr"/>
+                </a:tc>
+                <a:tc>
+                  <a:txBody>
+                    <a:bodyPr/>
+                    <a:lstStyle/>
+                    <a:p>
+                      <a:pPr marL="0" algn="ctr" defTabSz="914400" rtl="0" eaLnBrk="1" fontAlgn="ctr" latinLnBrk="0" hangingPunct="1">
+                        <a:spcBef>
+                          <a:spcPts val="0"/>
+                        </a:spcBef>
+                        <a:spcAft>
+                          <a:spcPts val="0"/>
+                        </a:spcAft>
+                      </a:pPr>
+                      <a:r>
+                        <a:rPr lang="en-US" altLang="zh-CN" sz="1800" kern="1200" dirty="0" smtClean="0">
+                          <a:solidFill>
+                            <a:schemeClr val="tx1"/>
+                          </a:solidFill>
+                          <a:latin typeface="+mn-lt"/>
+                          <a:ea typeface="+mn-ea"/>
+                          <a:cs typeface="+mn-cs"/>
+                        </a:rPr>
+                        <a:t>.4340</a:t>
+                      </a:r>
+                      <a:endParaRPr lang="en-US" altLang="zh-CN" sz="1800" kern="1200" dirty="0">
+                        <a:solidFill>
+                          <a:schemeClr val="tx1"/>
+                        </a:solidFill>
+                        <a:latin typeface="+mn-lt"/>
+                        <a:ea typeface="+mn-ea"/>
+                        <a:cs typeface="+mn-cs"/>
+                      </a:endParaRPr>
+                    </a:p>
+                  </a:txBody>
+                  <a:tcPr anchor="ctr"/>
+                </a:tc>
+                <a:tc>
+                  <a:txBody>
+                    <a:bodyPr/>
+                    <a:lstStyle/>
+                    <a:p>
+                      <a:pPr marL="0" algn="ctr" defTabSz="914400" rtl="0" eaLnBrk="1" latinLnBrk="0" hangingPunct="1"/>
+                      <a:r>
+                        <a:rPr lang="en-US" altLang="zh-CN" sz="1800" kern="1200" dirty="0" smtClean="0">
+                          <a:solidFill>
+                            <a:schemeClr val="tx1"/>
+                          </a:solidFill>
+                          <a:latin typeface="+mn-lt"/>
+                          <a:ea typeface="+mn-ea"/>
+                          <a:cs typeface="+mn-cs"/>
+                        </a:rPr>
+                        <a:t>.3989</a:t>
+                      </a:r>
+                      <a:endParaRPr lang="zh-CN" altLang="en-US" sz="1800" kern="1200" dirty="0">
+                        <a:solidFill>
+                          <a:schemeClr val="tx1"/>
+                        </a:solidFill>
+                        <a:latin typeface="+mn-lt"/>
+                        <a:ea typeface="+mn-ea"/>
+                        <a:cs typeface="+mn-cs"/>
+                      </a:endParaRPr>
+                    </a:p>
+                  </a:txBody>
+                  <a:tcPr anchor="ctr"/>
+                </a:tc>
+                <a:tc>
+                  <a:txBody>
+                    <a:bodyPr/>
+                    <a:lstStyle/>
+                    <a:p>
+                      <a:pPr marL="0" algn="ctr" defTabSz="914400" rtl="0" eaLnBrk="1" latinLnBrk="0" hangingPunct="1"/>
+                      <a:r>
+                        <a:rPr lang="en-US" altLang="zh-CN" sz="1800" kern="1200" dirty="0" smtClean="0">
+                          <a:solidFill>
+                            <a:schemeClr val="tx1"/>
+                          </a:solidFill>
+                          <a:latin typeface="+mn-lt"/>
+                          <a:ea typeface="+mn-ea"/>
+                          <a:cs typeface="+mn-cs"/>
+                        </a:rPr>
+                        <a:t>.3939</a:t>
+                      </a:r>
+                      <a:endParaRPr lang="zh-CN" altLang="en-US" sz="1800" kern="1200" dirty="0">
+                        <a:solidFill>
+                          <a:schemeClr val="tx1"/>
+                        </a:solidFill>
+                        <a:latin typeface="+mn-lt"/>
+                        <a:ea typeface="+mn-ea"/>
+                        <a:cs typeface="+mn-cs"/>
+                      </a:endParaRPr>
+                    </a:p>
+                  </a:txBody>
+                  <a:tcPr anchor="ctr"/>
+                </a:tc>
+                <a:tc>
+                  <a:txBody>
+                    <a:bodyPr/>
+                    <a:lstStyle/>
+                    <a:p>
+                      <a:pPr marL="0" algn="ctr" defTabSz="914400" rtl="0" eaLnBrk="1" latinLnBrk="0" hangingPunct="1"/>
+                      <a:r>
+                        <a:rPr lang="en-US" altLang="zh-CN" sz="1800" kern="1200" dirty="0" smtClean="0">
+                          <a:solidFill>
+                            <a:schemeClr val="tx1"/>
+                          </a:solidFill>
+                          <a:latin typeface="+mn-lt"/>
+                          <a:ea typeface="+mn-ea"/>
+                          <a:cs typeface="+mn-cs"/>
+                        </a:rPr>
+                        <a:t>.4904</a:t>
+                      </a:r>
+                      <a:endParaRPr lang="zh-CN" altLang="en-US" sz="1800" kern="1200" dirty="0">
+                        <a:solidFill>
+                          <a:schemeClr val="tx1"/>
+                        </a:solidFill>
+                        <a:latin typeface="+mn-lt"/>
+                        <a:ea typeface="+mn-ea"/>
+                        <a:cs typeface="+mn-cs"/>
+                      </a:endParaRPr>
+                    </a:p>
+                  </a:txBody>
+                  <a:tcPr anchor="ctr"/>
+                </a:tc>
+                <a:tc>
+                  <a:txBody>
+                    <a:bodyPr/>
+                    <a:lstStyle/>
+                    <a:p>
+                      <a:pPr marL="0" algn="ctr" defTabSz="914400" rtl="0" eaLnBrk="1" fontAlgn="ctr" latinLnBrk="0" hangingPunct="1">
+                        <a:spcBef>
+                          <a:spcPts val="0"/>
+                        </a:spcBef>
+                        <a:spcAft>
+                          <a:spcPts val="0"/>
+                        </a:spcAft>
+                      </a:pPr>
+                      <a:r>
+                        <a:rPr lang="en-US" altLang="zh-CN" sz="1800" kern="1200" dirty="0" smtClean="0">
+                          <a:solidFill>
+                            <a:schemeClr val="tx1"/>
+                          </a:solidFill>
+                          <a:latin typeface="+mn-lt"/>
+                          <a:ea typeface="+mn-ea"/>
+                          <a:cs typeface="+mn-cs"/>
+                        </a:rPr>
+                        <a:t>.6106</a:t>
+                      </a:r>
+                      <a:endParaRPr lang="en-US" altLang="zh-CN" sz="1800" kern="1200" dirty="0">
+                        <a:solidFill>
+                          <a:schemeClr val="tx1"/>
+                        </a:solidFill>
+                        <a:latin typeface="+mn-lt"/>
+                        <a:ea typeface="+mn-ea"/>
+                        <a:cs typeface="+mn-cs"/>
+                      </a:endParaRPr>
+                    </a:p>
+                  </a:txBody>
+                  <a:tcPr anchor="ctr"/>
+                </a:tc>
+                <a:tc>
+                  <a:txBody>
+                    <a:bodyPr/>
+                    <a:lstStyle/>
+                    <a:p>
+                      <a:pPr marL="0" algn="ctr" defTabSz="914400" rtl="0" eaLnBrk="1" latinLnBrk="0" hangingPunct="1"/>
+                      <a:r>
+                        <a:rPr lang="en-US" altLang="zh-CN" sz="1800" kern="1200" dirty="0" smtClean="0">
+                          <a:solidFill>
+                            <a:schemeClr val="tx1"/>
+                          </a:solidFill>
+                          <a:latin typeface="+mn-lt"/>
+                          <a:ea typeface="+mn-ea"/>
+                          <a:cs typeface="+mn-cs"/>
+                        </a:rPr>
+                        <a:t>.5290</a:t>
+                      </a:r>
+                      <a:endParaRPr lang="zh-CN" altLang="en-US" sz="1800" kern="1200" dirty="0">
+                        <a:solidFill>
+                          <a:schemeClr val="tx1"/>
+                        </a:solidFill>
+                        <a:latin typeface="+mn-lt"/>
+                        <a:ea typeface="+mn-ea"/>
+                        <a:cs typeface="+mn-cs"/>
+                      </a:endParaRPr>
+                    </a:p>
+                  </a:txBody>
+                  <a:tcPr anchor="ctr"/>
+                </a:tc>
+                <a:tc>
+                  <a:txBody>
+                    <a:bodyPr/>
+                    <a:lstStyle/>
+                    <a:p>
+                      <a:pPr marL="0" algn="ctr" defTabSz="914400" rtl="0" eaLnBrk="1" latinLnBrk="0" hangingPunct="1"/>
+                      <a:r>
+                        <a:rPr lang="en-US" altLang="zh-CN" sz="1800" kern="1200" dirty="0" smtClean="0">
+                          <a:solidFill>
+                            <a:schemeClr val="tx1"/>
+                          </a:solidFill>
+                          <a:latin typeface="+mn-lt"/>
+                          <a:ea typeface="+mn-ea"/>
+                          <a:cs typeface="+mn-cs"/>
+                        </a:rPr>
+                        <a:t>.6336</a:t>
+                      </a:r>
+                      <a:endParaRPr lang="zh-CN" altLang="en-US" sz="1800" kern="1200" dirty="0">
+                        <a:solidFill>
+                          <a:schemeClr val="tx1"/>
+                        </a:solidFill>
+                        <a:latin typeface="+mn-lt"/>
+                        <a:ea typeface="+mn-ea"/>
+                        <a:cs typeface="+mn-cs"/>
+                      </a:endParaRPr>
+                    </a:p>
+                  </a:txBody>
+                  <a:tcPr anchor="ctr"/>
+                </a:tc>
+              </a:tr>
+              <a:tr h="463801">
+                <a:tc>
+                  <a:txBody>
+                    <a:bodyPr/>
+                    <a:lstStyle/>
+                    <a:p>
+                      <a:pPr algn="ctr"/>
+                      <a:r>
+                        <a:rPr lang="en-US" altLang="zh-CN" dirty="0" smtClean="0"/>
+                        <a:t>Ablation1</a:t>
+                      </a:r>
+                      <a:endParaRPr lang="zh-CN" altLang="en-US" dirty="0"/>
+                    </a:p>
+                  </a:txBody>
+                  <a:tcPr anchor="ctr"/>
+                </a:tc>
+                <a:tc>
+                  <a:txBody>
+                    <a:bodyPr/>
+                    <a:lstStyle/>
+                    <a:p>
+                      <a:pPr marL="0" algn="ctr" defTabSz="914400" rtl="0" eaLnBrk="1" latinLnBrk="0" hangingPunct="1"/>
+                      <a:r>
+                        <a:rPr lang="en-US" altLang="zh-CN" sz="1800" kern="1200" dirty="0" smtClean="0">
+                          <a:solidFill>
+                            <a:schemeClr val="dk1"/>
+                          </a:solidFill>
+                          <a:latin typeface="+mn-lt"/>
+                          <a:ea typeface="+mn-ea"/>
+                          <a:cs typeface="+mn-cs"/>
+                        </a:rPr>
+                        <a:t>.4350</a:t>
+                      </a:r>
+                      <a:endParaRPr lang="zh-CN" altLang="en-US" sz="1800" kern="1200" dirty="0">
+                        <a:solidFill>
+                          <a:schemeClr val="dk1"/>
+                        </a:solidFill>
+                        <a:latin typeface="+mn-lt"/>
+                        <a:ea typeface="+mn-ea"/>
+                        <a:cs typeface="+mn-cs"/>
+                      </a:endParaRPr>
+                    </a:p>
+                  </a:txBody>
+                  <a:tcPr anchor="ctr"/>
+                </a:tc>
+                <a:tc>
+                  <a:txBody>
+                    <a:bodyPr/>
+                    <a:lstStyle/>
+                    <a:p>
+                      <a:r>
+                        <a:rPr lang="en-US" altLang="zh-CN" dirty="0" smtClean="0"/>
+                        <a:t>.4267</a:t>
+                      </a:r>
+                      <a:endParaRPr lang="zh-CN" altLang="en-US" dirty="0"/>
+                    </a:p>
+                  </a:txBody>
+                  <a:tcPr anchor="ctr"/>
+                </a:tc>
+                <a:tc>
+                  <a:txBody>
+                    <a:bodyPr/>
+                    <a:lstStyle/>
+                    <a:p>
+                      <a:r>
+                        <a:rPr lang="en-US" altLang="zh-CN" dirty="0" smtClean="0"/>
+                        <a:t>.3992</a:t>
+                      </a:r>
+                      <a:endParaRPr lang="zh-CN" altLang="en-US" dirty="0"/>
+                    </a:p>
+                  </a:txBody>
+                  <a:tcPr anchor="ctr"/>
+                </a:tc>
+                <a:tc>
+                  <a:txBody>
+                    <a:bodyPr/>
+                    <a:lstStyle/>
+                    <a:p>
+                      <a:r>
+                        <a:rPr lang="en-US" altLang="zh-CN" dirty="0" smtClean="0"/>
+                        <a:t>.3938</a:t>
+                      </a:r>
+                      <a:endParaRPr lang="zh-CN" altLang="en-US" dirty="0"/>
+                    </a:p>
+                  </a:txBody>
+                  <a:tcPr anchor="ctr"/>
+                </a:tc>
+                <a:tc>
+                  <a:txBody>
+                    <a:bodyPr/>
+                    <a:lstStyle/>
+                    <a:p>
+                      <a:r>
+                        <a:rPr lang="en-US" altLang="zh-CN" dirty="0" smtClean="0"/>
+                        <a:t>.4862</a:t>
+                      </a:r>
+                      <a:endParaRPr lang="zh-CN" altLang="en-US" dirty="0"/>
+                    </a:p>
+                  </a:txBody>
+                  <a:tcPr anchor="ctr"/>
+                </a:tc>
+                <a:tc>
+                  <a:txBody>
+                    <a:bodyPr/>
+                    <a:lstStyle/>
+                    <a:p>
+                      <a:r>
+                        <a:rPr lang="en-US" altLang="zh-CN" dirty="0" smtClean="0"/>
+                        <a:t>.5913</a:t>
+                      </a:r>
+                      <a:endParaRPr lang="zh-CN" altLang="en-US" dirty="0"/>
+                    </a:p>
+                  </a:txBody>
+                  <a:tcPr anchor="ctr"/>
+                </a:tc>
+                <a:tc>
+                  <a:txBody>
+                    <a:bodyPr/>
+                    <a:lstStyle/>
+                    <a:p>
+                      <a:r>
+                        <a:rPr lang="en-US" altLang="zh-CN" dirty="0" smtClean="0"/>
+                        <a:t>.5274</a:t>
+                      </a:r>
+                      <a:endParaRPr lang="zh-CN" altLang="en-US" dirty="0"/>
+                    </a:p>
+                  </a:txBody>
+                  <a:tcPr anchor="ctr"/>
+                </a:tc>
+                <a:tc>
+                  <a:txBody>
+                    <a:bodyPr/>
+                    <a:lstStyle/>
+                    <a:p>
+                      <a:r>
+                        <a:rPr lang="en-US" altLang="zh-CN" dirty="0" smtClean="0"/>
+                        <a:t>.6231</a:t>
+                      </a:r>
+                      <a:endParaRPr lang="zh-CN" altLang="en-US" dirty="0"/>
+                    </a:p>
+                  </a:txBody>
+                  <a:tcPr anchor="ctr"/>
+                </a:tc>
+              </a:tr>
+              <a:tr h="463801">
+                <a:tc>
+                  <a:txBody>
+                    <a:bodyPr/>
+                    <a:lstStyle/>
+                    <a:p>
+                      <a:pPr algn="ctr"/>
+                      <a:r>
+                        <a:rPr lang="en-US" altLang="zh-CN" dirty="0" smtClean="0"/>
+                        <a:t>Ablation2</a:t>
+                      </a:r>
+                      <a:endParaRPr lang="zh-CN" altLang="en-US" dirty="0"/>
+                    </a:p>
+                  </a:txBody>
+                  <a:tcPr anchor="ctr"/>
+                </a:tc>
+                <a:tc>
+                  <a:txBody>
+                    <a:bodyPr/>
+                    <a:lstStyle/>
+                    <a:p>
+                      <a:r>
+                        <a:rPr lang="en-US" altLang="zh-CN" dirty="0" smtClean="0"/>
+                        <a:t>.4342</a:t>
+                      </a:r>
+                      <a:endParaRPr lang="zh-CN" altLang="en-US" dirty="0"/>
+                    </a:p>
+                  </a:txBody>
+                  <a:tcPr anchor="ctr"/>
+                </a:tc>
+                <a:tc>
+                  <a:txBody>
+                    <a:bodyPr/>
+                    <a:lstStyle/>
+                    <a:p>
+                      <a:r>
+                        <a:rPr lang="en-US" altLang="zh-CN" dirty="0" smtClean="0"/>
+                        <a:t>.4252</a:t>
+                      </a:r>
+                      <a:endParaRPr lang="zh-CN" altLang="en-US" dirty="0"/>
+                    </a:p>
+                  </a:txBody>
+                  <a:tcPr anchor="ctr"/>
+                </a:tc>
+                <a:tc>
+                  <a:txBody>
+                    <a:bodyPr/>
+                    <a:lstStyle/>
+                    <a:p>
+                      <a:r>
+                        <a:rPr lang="en-US" altLang="zh-CN" dirty="0" smtClean="0"/>
+                        <a:t>.3971</a:t>
+                      </a:r>
+                      <a:endParaRPr lang="zh-CN" altLang="en-US" dirty="0"/>
+                    </a:p>
+                  </a:txBody>
+                  <a:tcPr anchor="ctr"/>
+                </a:tc>
+                <a:tc>
+                  <a:txBody>
+                    <a:bodyPr/>
+                    <a:lstStyle/>
+                    <a:p>
+                      <a:r>
+                        <a:rPr lang="en-US" altLang="zh-CN" dirty="0" smtClean="0"/>
+                        <a:t>.3921</a:t>
+                      </a:r>
+                      <a:endParaRPr lang="zh-CN" altLang="en-US" dirty="0"/>
+                    </a:p>
+                  </a:txBody>
+                  <a:tcPr anchor="ctr"/>
+                </a:tc>
+                <a:tc>
+                  <a:txBody>
+                    <a:bodyPr/>
+                    <a:lstStyle/>
+                    <a:p>
+                      <a:r>
+                        <a:rPr lang="en-US" altLang="zh-CN" dirty="0" smtClean="0"/>
+                        <a:t>.4928</a:t>
+                      </a:r>
+                      <a:endParaRPr lang="zh-CN" altLang="en-US" dirty="0"/>
+                    </a:p>
+                  </a:txBody>
+                  <a:tcPr anchor="ctr"/>
+                </a:tc>
+                <a:tc>
+                  <a:txBody>
+                    <a:bodyPr/>
+                    <a:lstStyle/>
+                    <a:p>
+                      <a:r>
+                        <a:rPr lang="en-US" altLang="zh-CN" dirty="0" smtClean="0"/>
+                        <a:t>.6136</a:t>
+                      </a:r>
+                      <a:endParaRPr lang="zh-CN" altLang="en-US" dirty="0"/>
+                    </a:p>
+                  </a:txBody>
+                  <a:tcPr anchor="ctr"/>
+                </a:tc>
+                <a:tc>
+                  <a:txBody>
+                    <a:bodyPr/>
+                    <a:lstStyle/>
+                    <a:p>
+                      <a:r>
+                        <a:rPr lang="en-US" altLang="zh-CN" dirty="0" smtClean="0"/>
+                        <a:t>.5294</a:t>
+                      </a:r>
+                      <a:endParaRPr lang="zh-CN" altLang="en-US" dirty="0"/>
+                    </a:p>
+                  </a:txBody>
+                  <a:tcPr anchor="ctr"/>
+                </a:tc>
+                <a:tc>
+                  <a:txBody>
+                    <a:bodyPr/>
+                    <a:lstStyle/>
+                    <a:p>
+                      <a:r>
+                        <a:rPr lang="en-US" altLang="zh-CN" dirty="0" smtClean="0"/>
+                        <a:t>.6320</a:t>
+                      </a:r>
+                      <a:endParaRPr lang="zh-CN" altLang="en-US" dirty="0"/>
+                    </a:p>
+                  </a:txBody>
+                  <a:tcPr anchor="ctr"/>
+                </a:tc>
+              </a:tr>
+              <a:tr h="463801">
+                <a:tc>
+                  <a:txBody>
+                    <a:bodyPr/>
+                    <a:lstStyle/>
+                    <a:p>
+                      <a:pPr algn="ctr"/>
+                      <a:r>
+                        <a:rPr lang="en-US" altLang="zh-CN" dirty="0" smtClean="0"/>
+                        <a:t>Ablation3</a:t>
+                      </a:r>
+                      <a:endParaRPr lang="zh-CN" altLang="en-US" dirty="0"/>
+                    </a:p>
+                  </a:txBody>
+                  <a:tcPr anchor="ctr"/>
+                </a:tc>
+                <a:tc>
+                  <a:txBody>
+                    <a:bodyPr/>
+                    <a:lstStyle/>
+                    <a:p>
+                      <a:r>
+                        <a:rPr lang="en-US" altLang="zh-CN" dirty="0" smtClean="0"/>
+                        <a:t>.4336</a:t>
+                      </a:r>
+                      <a:endParaRPr lang="zh-CN" altLang="en-US" dirty="0"/>
+                    </a:p>
+                  </a:txBody>
+                  <a:tcPr anchor="ctr"/>
+                </a:tc>
+                <a:tc>
+                  <a:txBody>
+                    <a:bodyPr/>
+                    <a:lstStyle/>
+                    <a:p>
+                      <a:r>
+                        <a:rPr lang="en-US" altLang="zh-CN" dirty="0" smtClean="0"/>
+                        <a:t>.4250</a:t>
+                      </a:r>
+                      <a:endParaRPr lang="zh-CN" altLang="en-US" dirty="0"/>
+                    </a:p>
+                  </a:txBody>
+                  <a:tcPr anchor="ctr"/>
+                </a:tc>
+                <a:tc>
+                  <a:txBody>
+                    <a:bodyPr/>
+                    <a:lstStyle/>
+                    <a:p>
+                      <a:r>
+                        <a:rPr lang="en-US" altLang="zh-CN" dirty="0" smtClean="0"/>
+                        <a:t>.3943</a:t>
+                      </a:r>
+                      <a:endParaRPr lang="zh-CN" altLang="en-US" dirty="0"/>
+                    </a:p>
+                  </a:txBody>
+                  <a:tcPr anchor="ctr"/>
+                </a:tc>
+                <a:tc>
+                  <a:txBody>
+                    <a:bodyPr/>
+                    <a:lstStyle/>
+                    <a:p>
+                      <a:r>
+                        <a:rPr lang="en-US" altLang="zh-CN" dirty="0" smtClean="0"/>
+                        <a:t>.3890</a:t>
+                      </a:r>
+                      <a:endParaRPr lang="zh-CN" altLang="en-US" dirty="0"/>
+                    </a:p>
+                  </a:txBody>
+                  <a:tcPr anchor="ctr"/>
+                </a:tc>
+                <a:tc>
+                  <a:txBody>
+                    <a:bodyPr/>
+                    <a:lstStyle/>
+                    <a:p>
+                      <a:r>
+                        <a:rPr lang="en-US" altLang="zh-CN" dirty="0" smtClean="0"/>
+                        <a:t>.4938</a:t>
+                      </a:r>
+                      <a:endParaRPr lang="zh-CN" altLang="en-US" dirty="0"/>
+                    </a:p>
+                  </a:txBody>
+                  <a:tcPr anchor="ctr"/>
+                </a:tc>
+                <a:tc>
+                  <a:txBody>
+                    <a:bodyPr/>
+                    <a:lstStyle/>
+                    <a:p>
+                      <a:r>
+                        <a:rPr lang="en-US" altLang="zh-CN" dirty="0" smtClean="0"/>
+                        <a:t>.6097</a:t>
+                      </a:r>
+                      <a:endParaRPr lang="zh-CN" altLang="en-US" dirty="0"/>
+                    </a:p>
+                  </a:txBody>
+                  <a:tcPr anchor="ctr"/>
+                </a:tc>
+                <a:tc>
+                  <a:txBody>
+                    <a:bodyPr/>
+                    <a:lstStyle/>
+                    <a:p>
+                      <a:r>
+                        <a:rPr lang="en-US" altLang="zh-CN" dirty="0" smtClean="0"/>
+                        <a:t>.5326</a:t>
+                      </a:r>
+                      <a:endParaRPr lang="zh-CN" altLang="en-US" dirty="0"/>
+                    </a:p>
+                  </a:txBody>
+                  <a:tcPr anchor="ctr"/>
+                </a:tc>
+                <a:tc>
+                  <a:txBody>
+                    <a:bodyPr/>
+                    <a:lstStyle/>
+                    <a:p>
+                      <a:r>
+                        <a:rPr lang="en-US" altLang="zh-CN" dirty="0" smtClean="0"/>
+                        <a:t>.6435</a:t>
+                      </a:r>
+                      <a:endParaRPr lang="zh-CN" altLang="en-US" dirty="0"/>
+                    </a:p>
+                  </a:txBody>
+                  <a:tcPr anchor="ctr"/>
+                </a:tc>
+              </a:tr>
+              <a:tr h="463801">
+                <a:tc>
+                  <a:txBody>
+                    <a:bodyPr/>
+                    <a:lstStyle/>
+                    <a:p>
+                      <a:pPr algn="ctr"/>
+                      <a:r>
+                        <a:rPr lang="en-US" altLang="zh-CN" dirty="0" smtClean="0"/>
+                        <a:t>Ablation4</a:t>
+                      </a:r>
+                      <a:endParaRPr lang="zh-CN" altLang="en-US" dirty="0"/>
+                    </a:p>
+                  </a:txBody>
+                  <a:tcPr anchor="ctr"/>
+                </a:tc>
+                <a:tc>
+                  <a:txBody>
+                    <a:bodyPr/>
+                    <a:lstStyle/>
+                    <a:p>
+                      <a:r>
+                        <a:rPr lang="en-US" altLang="zh-CN" dirty="0" smtClean="0"/>
+                        <a:t>.4350</a:t>
+                      </a:r>
+                      <a:endParaRPr lang="zh-CN" altLang="en-US" dirty="0"/>
+                    </a:p>
+                  </a:txBody>
+                  <a:tcPr anchor="ctr"/>
+                </a:tc>
+                <a:tc>
+                  <a:txBody>
+                    <a:bodyPr/>
+                    <a:lstStyle/>
+                    <a:p>
+                      <a:r>
+                        <a:rPr lang="en-US" altLang="zh-CN" dirty="0" smtClean="0"/>
+                        <a:t>.4267</a:t>
+                      </a:r>
+                      <a:endParaRPr lang="zh-CN" altLang="en-US" dirty="0"/>
+                    </a:p>
+                  </a:txBody>
+                  <a:tcPr anchor="ctr"/>
+                </a:tc>
+                <a:tc>
+                  <a:txBody>
+                    <a:bodyPr/>
+                    <a:lstStyle/>
+                    <a:p>
+                      <a:r>
+                        <a:rPr lang="en-US" altLang="zh-CN" dirty="0" smtClean="0"/>
+                        <a:t>.3980</a:t>
+                      </a:r>
+                      <a:endParaRPr lang="zh-CN" altLang="en-US" dirty="0"/>
+                    </a:p>
+                  </a:txBody>
+                  <a:tcPr anchor="ctr"/>
+                </a:tc>
+                <a:tc>
+                  <a:txBody>
+                    <a:bodyPr/>
+                    <a:lstStyle/>
+                    <a:p>
+                      <a:r>
+                        <a:rPr lang="en-US" altLang="zh-CN" dirty="0" smtClean="0"/>
+                        <a:t>.3928</a:t>
+                      </a:r>
+                      <a:endParaRPr lang="zh-CN" altLang="en-US" dirty="0"/>
+                    </a:p>
+                  </a:txBody>
+                  <a:tcPr anchor="ctr"/>
+                </a:tc>
+                <a:tc>
+                  <a:txBody>
+                    <a:bodyPr/>
+                    <a:lstStyle/>
+                    <a:p>
+                      <a:r>
+                        <a:rPr lang="en-US" altLang="zh-CN" dirty="0" smtClean="0"/>
+                        <a:t>.4913</a:t>
+                      </a:r>
+                      <a:endParaRPr lang="zh-CN" altLang="en-US" dirty="0"/>
+                    </a:p>
+                  </a:txBody>
+                  <a:tcPr anchor="ctr"/>
+                </a:tc>
+                <a:tc>
+                  <a:txBody>
+                    <a:bodyPr/>
+                    <a:lstStyle/>
+                    <a:p>
+                      <a:r>
+                        <a:rPr lang="en-US" altLang="zh-CN" dirty="0" smtClean="0"/>
+                        <a:t>.6114</a:t>
+                      </a:r>
+                      <a:endParaRPr lang="zh-CN" altLang="en-US" dirty="0"/>
+                    </a:p>
+                  </a:txBody>
+                  <a:tcPr anchor="ctr"/>
+                </a:tc>
+                <a:tc>
+                  <a:txBody>
+                    <a:bodyPr/>
+                    <a:lstStyle/>
+                    <a:p>
+                      <a:r>
+                        <a:rPr lang="en-US" altLang="zh-CN" dirty="0" smtClean="0"/>
+                        <a:t>.5315</a:t>
+                      </a:r>
+                      <a:endParaRPr lang="zh-CN" altLang="en-US" dirty="0"/>
+                    </a:p>
+                  </a:txBody>
+                  <a:tcPr anchor="ctr"/>
+                </a:tc>
+                <a:tc>
+                  <a:txBody>
+                    <a:bodyPr/>
+                    <a:lstStyle/>
+                    <a:p>
+                      <a:r>
+                        <a:rPr lang="en-US" altLang="zh-CN" dirty="0" smtClean="0"/>
+                        <a:t>.6345</a:t>
+                      </a:r>
+                      <a:endParaRPr lang="zh-CN" altLang="en-US" dirty="0"/>
+                    </a:p>
+                  </a:txBody>
+                  <a:tcPr anchor="ctr"/>
+                </a:tc>
+              </a:tr>
+              <a:tr h="463801">
+                <a:tc>
+                  <a:txBody>
+                    <a:bodyPr/>
+                    <a:lstStyle/>
+                    <a:p>
+                      <a:pPr algn="ctr"/>
+                      <a:r>
+                        <a:rPr lang="en-US" altLang="zh-CN" dirty="0"/>
+                        <a:t>PROP</a:t>
+                      </a:r>
+                      <a:endParaRPr lang="zh-CN" altLang="en-US" dirty="0"/>
+                    </a:p>
+                  </a:txBody>
+                  <a:tcPr anchor="ctr"/>
+                </a:tc>
+                <a:tc>
+                  <a:txBody>
+                    <a:bodyPr/>
+                    <a:lstStyle/>
+                    <a:p>
+                      <a:pPr marL="0" algn="ctr" defTabSz="914400" rtl="0" eaLnBrk="1" latinLnBrk="0" hangingPunct="1"/>
+                      <a:r>
+                        <a:rPr lang="en-US" altLang="zh-CN" sz="1800" kern="1200" dirty="0">
+                          <a:solidFill>
+                            <a:schemeClr val="dk1"/>
+                          </a:solidFill>
+                          <a:latin typeface="+mn-lt"/>
+                          <a:ea typeface="+mn-ea"/>
+                          <a:cs typeface="+mn-cs"/>
+                        </a:rPr>
+                        <a:t>.4253</a:t>
+                      </a:r>
+                      <a:endParaRPr lang="zh-CN" altLang="en-US" sz="1800" kern="1200" dirty="0">
+                        <a:solidFill>
+                          <a:schemeClr val="dk1"/>
+                        </a:solidFill>
+                        <a:latin typeface="+mn-lt"/>
+                        <a:ea typeface="+mn-ea"/>
+                        <a:cs typeface="+mn-cs"/>
+                      </a:endParaRPr>
+                    </a:p>
+                  </a:txBody>
+                  <a:tcPr anchor="ctr"/>
+                </a:tc>
+                <a:tc>
+                  <a:txBody>
+                    <a:bodyPr/>
+                    <a:lstStyle/>
+                    <a:p>
+                      <a:pPr marL="0" algn="ctr" defTabSz="914400" rtl="0" eaLnBrk="1" fontAlgn="ctr" latinLnBrk="0" hangingPunct="1">
+                        <a:spcBef>
+                          <a:spcPts val="0"/>
+                        </a:spcBef>
+                        <a:spcAft>
+                          <a:spcPts val="0"/>
+                        </a:spcAft>
+                      </a:pPr>
+                      <a:r>
+                        <a:rPr lang="en-US" sz="1800" kern="1200" dirty="0">
+                          <a:solidFill>
+                            <a:schemeClr val="dk1"/>
+                          </a:solidFill>
+                          <a:latin typeface="+mn-lt"/>
+                          <a:ea typeface="+mn-ea"/>
+                          <a:cs typeface="+mn-cs"/>
+                        </a:rPr>
+                        <a:t>.4166</a:t>
+                      </a:r>
+                      <a:endParaRPr lang="en-US" altLang="zh-CN" sz="1800" kern="1200" dirty="0">
+                        <a:solidFill>
+                          <a:schemeClr val="dk1"/>
+                        </a:solidFill>
+                        <a:latin typeface="+mn-lt"/>
+                        <a:ea typeface="+mn-ea"/>
+                        <a:cs typeface="+mn-cs"/>
+                      </a:endParaRPr>
+                    </a:p>
+                  </a:txBody>
+                  <a:tcPr anchor="ctr"/>
+                </a:tc>
+                <a:tc>
+                  <a:txBody>
+                    <a:bodyPr/>
+                    <a:lstStyle/>
+                    <a:p>
+                      <a:pPr marL="0" algn="ctr" defTabSz="914400" rtl="0" eaLnBrk="1" latinLnBrk="0" hangingPunct="1"/>
+                      <a:r>
+                        <a:rPr lang="en-US" altLang="zh-CN" sz="1800" kern="1200" dirty="0">
+                          <a:solidFill>
+                            <a:schemeClr val="dk1"/>
+                          </a:solidFill>
+                          <a:latin typeface="+mn-lt"/>
+                          <a:ea typeface="+mn-ea"/>
+                          <a:cs typeface="+mn-cs"/>
+                        </a:rPr>
+                        <a:t>.3890</a:t>
+                      </a:r>
+                      <a:endParaRPr lang="zh-CN" altLang="en-US" sz="1800" kern="1200" dirty="0">
+                        <a:solidFill>
+                          <a:schemeClr val="dk1"/>
+                        </a:solidFill>
+                        <a:latin typeface="+mn-lt"/>
+                        <a:ea typeface="+mn-ea"/>
+                        <a:cs typeface="+mn-cs"/>
+                      </a:endParaRPr>
+                    </a:p>
+                  </a:txBody>
+                  <a:tcPr anchor="ctr"/>
+                </a:tc>
+                <a:tc>
+                  <a:txBody>
+                    <a:bodyPr/>
+                    <a:lstStyle/>
+                    <a:p>
+                      <a:pPr marL="0" algn="ctr" defTabSz="914400" rtl="0" eaLnBrk="1" latinLnBrk="0" hangingPunct="1"/>
+                      <a:r>
+                        <a:rPr lang="en-US" altLang="zh-CN" sz="1800" kern="1200" dirty="0">
+                          <a:solidFill>
+                            <a:schemeClr val="dk1"/>
+                          </a:solidFill>
+                          <a:latin typeface="+mn-lt"/>
+                          <a:ea typeface="+mn-ea"/>
+                          <a:cs typeface="+mn-cs"/>
+                        </a:rPr>
+                        <a:t>.3837</a:t>
+                      </a:r>
+                      <a:endParaRPr lang="zh-CN" altLang="en-US" sz="1800" kern="1200" dirty="0">
+                        <a:solidFill>
+                          <a:schemeClr val="dk1"/>
+                        </a:solidFill>
+                        <a:latin typeface="+mn-lt"/>
+                        <a:ea typeface="+mn-ea"/>
+                        <a:cs typeface="+mn-cs"/>
+                      </a:endParaRPr>
+                    </a:p>
+                  </a:txBody>
+                  <a:tcPr anchor="ctr"/>
+                </a:tc>
+                <a:tc>
+                  <a:txBody>
+                    <a:bodyPr/>
+                    <a:lstStyle/>
+                    <a:p>
+                      <a:pPr marL="0" algn="ctr" defTabSz="914400" rtl="0" eaLnBrk="1" latinLnBrk="0" hangingPunct="1"/>
+                      <a:r>
+                        <a:rPr lang="en-US" altLang="zh-CN" sz="1800" kern="1200" dirty="0" smtClean="0">
+                          <a:solidFill>
+                            <a:schemeClr val="dk1"/>
+                          </a:solidFill>
+                          <a:latin typeface="+mn-lt"/>
+                          <a:ea typeface="+mn-ea"/>
+                          <a:cs typeface="+mn-cs"/>
+                        </a:rPr>
+                        <a:t>.4894</a:t>
+                      </a:r>
+                      <a:endParaRPr lang="zh-CN" altLang="en-US" sz="1800" kern="1200" dirty="0">
+                        <a:solidFill>
+                          <a:schemeClr val="dk1"/>
+                        </a:solidFill>
+                        <a:latin typeface="+mn-lt"/>
+                        <a:ea typeface="+mn-ea"/>
+                        <a:cs typeface="+mn-cs"/>
+                      </a:endParaRPr>
+                    </a:p>
+                  </a:txBody>
+                  <a:tcPr anchor="ctr"/>
+                </a:tc>
+                <a:tc>
+                  <a:txBody>
+                    <a:bodyPr/>
+                    <a:lstStyle/>
+                    <a:p>
+                      <a:pPr marL="0" algn="ctr" defTabSz="914400" rtl="0" eaLnBrk="1" fontAlgn="ctr" latinLnBrk="0" hangingPunct="1">
+                        <a:spcBef>
+                          <a:spcPts val="0"/>
+                        </a:spcBef>
+                        <a:spcAft>
+                          <a:spcPts val="0"/>
+                        </a:spcAft>
+                      </a:pPr>
+                      <a:r>
+                        <a:rPr lang="en-US" sz="1800" kern="1200" dirty="0">
+                          <a:solidFill>
+                            <a:schemeClr val="dk1"/>
+                          </a:solidFill>
+                          <a:latin typeface="+mn-lt"/>
+                          <a:ea typeface="+mn-ea"/>
+                          <a:cs typeface="+mn-cs"/>
+                        </a:rPr>
+                        <a:t>.</a:t>
+                      </a:r>
+                      <a:r>
+                        <a:rPr lang="en-US" sz="1800" kern="1200" dirty="0" smtClean="0">
+                          <a:solidFill>
+                            <a:schemeClr val="dk1"/>
+                          </a:solidFill>
+                          <a:latin typeface="+mn-lt"/>
+                          <a:ea typeface="+mn-ea"/>
+                          <a:cs typeface="+mn-cs"/>
+                        </a:rPr>
+                        <a:t>6166</a:t>
+                      </a:r>
+                      <a:endParaRPr lang="en-US" altLang="zh-CN" sz="1800" kern="1200" dirty="0">
+                        <a:solidFill>
+                          <a:schemeClr val="dk1"/>
+                        </a:solidFill>
+                        <a:latin typeface="+mn-lt"/>
+                        <a:ea typeface="+mn-ea"/>
+                        <a:cs typeface="+mn-cs"/>
+                      </a:endParaRPr>
+                    </a:p>
+                  </a:txBody>
+                  <a:tcPr anchor="ctr"/>
+                </a:tc>
+                <a:tc>
+                  <a:txBody>
+                    <a:bodyPr/>
+                    <a:lstStyle/>
+                    <a:p>
+                      <a:pPr marL="0" algn="ctr" defTabSz="914400" rtl="0" eaLnBrk="1" latinLnBrk="0" hangingPunct="1"/>
+                      <a:r>
+                        <a:rPr lang="en-US" altLang="zh-CN" sz="1800" kern="1200" dirty="0">
+                          <a:solidFill>
+                            <a:schemeClr val="dk1"/>
+                          </a:solidFill>
+                          <a:latin typeface="+mn-lt"/>
+                          <a:ea typeface="+mn-ea"/>
+                          <a:cs typeface="+mn-cs"/>
+                        </a:rPr>
+                        <a:t>.5242</a:t>
+                      </a:r>
+                      <a:endParaRPr lang="zh-CN" altLang="en-US" sz="1800" kern="1200" dirty="0">
+                        <a:solidFill>
+                          <a:schemeClr val="dk1"/>
+                        </a:solidFill>
+                        <a:latin typeface="+mn-lt"/>
+                        <a:ea typeface="+mn-ea"/>
+                        <a:cs typeface="+mn-cs"/>
+                      </a:endParaRPr>
+                    </a:p>
+                  </a:txBody>
+                  <a:tcPr anchor="ctr"/>
+                </a:tc>
+                <a:tc>
+                  <a:txBody>
+                    <a:bodyPr/>
+                    <a:lstStyle/>
+                    <a:p>
+                      <a:pPr marL="0" algn="ctr" defTabSz="914400" rtl="0" eaLnBrk="1" latinLnBrk="0" hangingPunct="1"/>
+                      <a:r>
+                        <a:rPr lang="en-US" altLang="zh-CN" sz="1800" kern="1200" dirty="0">
+                          <a:solidFill>
+                            <a:schemeClr val="dk1"/>
+                          </a:solidFill>
+                          <a:latin typeface="+mn-lt"/>
+                          <a:ea typeface="+mn-ea"/>
+                          <a:cs typeface="+mn-cs"/>
+                        </a:rPr>
+                        <a:t>.6208</a:t>
+                      </a:r>
+                      <a:endParaRPr lang="zh-CN" altLang="en-US" sz="1800" kern="1200" dirty="0">
+                        <a:solidFill>
+                          <a:schemeClr val="dk1"/>
+                        </a:solidFill>
+                        <a:latin typeface="+mn-lt"/>
+                        <a:ea typeface="+mn-ea"/>
+                        <a:cs typeface="+mn-cs"/>
+                      </a:endParaRPr>
+                    </a:p>
+                  </a:txBody>
+                  <a:tcPr anchor="ctr"/>
+                </a:tc>
+              </a:tr>
+            </a:tbl>
+          </a:graphicData>
+        </a:graphic>
+      </p:graphicFrame>
+    </p:spTree>
+    <p:extLst>
+      <p:ext uri="{BB962C8B-B14F-4D97-AF65-F5344CB8AC3E}">
+        <p14:creationId xmlns:p14="http://schemas.microsoft.com/office/powerpoint/2010/main" val="2597425481"/>
+      </p:ext>
+    </p:extLst>
+  </p:cSld>
+  <p:clrMapOvr>
+    <a:masterClrMapping/>
+  </p:clrMapOvr>
+  <p:timing>
+    <p:tnLst>
+      <p:par>
+        <p:cTn id="1" dur="indefinite" restart="never" nodeType="tmRoot"/>
+      </p:par>
+    </p:tnLst>
+  </p:timing>
+</p:sld>
+</file>
+
+<file path=ppt/slides/slide3.xml><?xml version="1.0" encoding="utf-8"?>
+<p:sld xmlns:a="http://schemas.openxmlformats.org/drawingml/2006/main" xmlns:r="http://schemas.openxmlformats.org/officeDocument/2006/relationships" xmlns:p="http://schemas.openxmlformats.org/presentationml/2006/main">
+  <p:cSld>
+    <p:spTree>
+      <p:nvGrpSpPr>
+        <p:cNvPr id="1" name=""/>
+        <p:cNvGrpSpPr/>
+        <p:nvPr/>
+      </p:nvGrpSpPr>
+      <p:grpSpPr>
+        <a:xfrm>
+          <a:off x="0" y="0"/>
+          <a:ext cx="0" cy="0"/>
+          <a:chOff x="0" y="0"/>
+          <a:chExt cx="0" cy="0"/>
+        </a:xfrm>
+      </p:grpSpPr>
+      <p:graphicFrame>
+        <p:nvGraphicFramePr>
+          <p:cNvPr id="4" name="表格 3"/>
+          <p:cNvGraphicFramePr>
+            <a:graphicFrameLocks noGrp="1"/>
+          </p:cNvGraphicFramePr>
+          <p:nvPr>
             <p:extLst>
               <p:ext uri="{D42A27DB-BD31-4B8C-83A1-F6EECF244321}">
                 <p14:modId xmlns:p14="http://schemas.microsoft.com/office/powerpoint/2010/main" val="259076025"/>
@@ -6576,63 +8159,63 @@
                 <a:gridCol w="2195068">
                   <a:extLst>
                     <a:ext uri="{9D8B030D-6E8A-4147-A177-3AD203B41FA5}">
-                      <a16:colId xmlns="" xmlns:a16="http://schemas.microsoft.com/office/drawing/2014/main" val="20000"/>
+                      <a16:colId xmlns:a16="http://schemas.microsoft.com/office/drawing/2014/main" xmlns="" val="20000"/>
                     </a:ext>
                   </a:extLst>
                 </a:gridCol>
                 <a:gridCol w="851862">
                   <a:extLst>
                     <a:ext uri="{9D8B030D-6E8A-4147-A177-3AD203B41FA5}">
-                      <a16:colId xmlns="" xmlns:a16="http://schemas.microsoft.com/office/drawing/2014/main" val="20001"/>
+                      <a16:colId xmlns:a16="http://schemas.microsoft.com/office/drawing/2014/main" xmlns="" val="20001"/>
                     </a:ext>
                   </a:extLst>
                 </a:gridCol>
                 <a:gridCol w="911188">
                   <a:extLst>
                     <a:ext uri="{9D8B030D-6E8A-4147-A177-3AD203B41FA5}">
-                      <a16:colId xmlns="" xmlns:a16="http://schemas.microsoft.com/office/drawing/2014/main" val="20002"/>
+                      <a16:colId xmlns:a16="http://schemas.microsoft.com/office/drawing/2014/main" xmlns="" val="20002"/>
                     </a:ext>
                   </a:extLst>
                 </a:gridCol>
                 <a:gridCol w="825980">
                   <a:extLst>
                     <a:ext uri="{9D8B030D-6E8A-4147-A177-3AD203B41FA5}">
-                      <a16:colId xmlns="" xmlns:a16="http://schemas.microsoft.com/office/drawing/2014/main" val="20003"/>
+                      <a16:colId xmlns:a16="http://schemas.microsoft.com/office/drawing/2014/main" xmlns="" val="20003"/>
                     </a:ext>
                   </a:extLst>
                 </a:gridCol>
                 <a:gridCol w="825980">
                   <a:extLst>
                     <a:ext uri="{9D8B030D-6E8A-4147-A177-3AD203B41FA5}">
-                      <a16:colId xmlns="" xmlns:a16="http://schemas.microsoft.com/office/drawing/2014/main" val="20004"/>
+                      <a16:colId xmlns:a16="http://schemas.microsoft.com/office/drawing/2014/main" xmlns="" val="20004"/>
                     </a:ext>
                   </a:extLst>
                 </a:gridCol>
                 <a:gridCol w="1119381">
                   <a:extLst>
                     <a:ext uri="{9D8B030D-6E8A-4147-A177-3AD203B41FA5}">
-                      <a16:colId xmlns="" xmlns:a16="http://schemas.microsoft.com/office/drawing/2014/main" val="20005"/>
+                      <a16:colId xmlns:a16="http://schemas.microsoft.com/office/drawing/2014/main" xmlns="" val="20005"/>
                     </a:ext>
                   </a:extLst>
                 </a:gridCol>
                 <a:gridCol w="1046135">
                   <a:extLst>
                     <a:ext uri="{9D8B030D-6E8A-4147-A177-3AD203B41FA5}">
-                      <a16:colId xmlns="" xmlns:a16="http://schemas.microsoft.com/office/drawing/2014/main" val="20006"/>
+                      <a16:colId xmlns:a16="http://schemas.microsoft.com/office/drawing/2014/main" xmlns="" val="20006"/>
                     </a:ext>
                   </a:extLst>
                 </a:gridCol>
                 <a:gridCol w="896686">
                   <a:extLst>
                     <a:ext uri="{9D8B030D-6E8A-4147-A177-3AD203B41FA5}">
-                      <a16:colId xmlns="" xmlns:a16="http://schemas.microsoft.com/office/drawing/2014/main" val="20007"/>
+                      <a16:colId xmlns:a16="http://schemas.microsoft.com/office/drawing/2014/main" xmlns="" val="20007"/>
                     </a:ext>
                   </a:extLst>
                 </a:gridCol>
                 <a:gridCol w="899235">
                   <a:extLst>
                     <a:ext uri="{9D8B030D-6E8A-4147-A177-3AD203B41FA5}">
-                      <a16:colId xmlns="" xmlns:a16="http://schemas.microsoft.com/office/drawing/2014/main" val="20008"/>
+                      <a16:colId xmlns:a16="http://schemas.microsoft.com/office/drawing/2014/main" xmlns="" val="20008"/>
                     </a:ext>
                   </a:extLst>
                 </a:gridCol>
@@ -6762,7 +8345,7 @@
                 </a:tc>
                 <a:extLst>
                   <a:ext uri="{0D108BD9-81ED-4DB2-BD59-A6C34878D82A}">
-                    <a16:rowId xmlns="" xmlns:a16="http://schemas.microsoft.com/office/drawing/2014/main" val="10000"/>
+                    <a16:rowId xmlns:a16="http://schemas.microsoft.com/office/drawing/2014/main" xmlns="" val="10000"/>
                   </a:ext>
                 </a:extLst>
               </a:tr>
@@ -6934,7 +8517,7 @@
                 </a:tc>
                 <a:extLst>
                   <a:ext uri="{0D108BD9-81ED-4DB2-BD59-A6C34878D82A}">
-                    <a16:rowId xmlns="" xmlns:a16="http://schemas.microsoft.com/office/drawing/2014/main" val="2951438941"/>
+                    <a16:rowId xmlns:a16="http://schemas.microsoft.com/office/drawing/2014/main" xmlns="" val="2951438941"/>
                   </a:ext>
                 </a:extLst>
               </a:tr>
